--- a/docs/distributedsystem.pptx
+++ b/docs/distributedsystem.pptx
@@ -11,10 +11,12 @@
     <p:sldId id="265" r:id="rId6"/>
     <p:sldId id="266" r:id="rId7"/>
     <p:sldId id="259" r:id="rId8"/>
-    <p:sldId id="260" r:id="rId9"/>
-    <p:sldId id="261" r:id="rId10"/>
-    <p:sldId id="257" r:id="rId11"/>
-    <p:sldId id="262" r:id="rId12"/>
+    <p:sldId id="272" r:id="rId9"/>
+    <p:sldId id="273" r:id="rId10"/>
+    <p:sldId id="260" r:id="rId11"/>
+    <p:sldId id="261" r:id="rId12"/>
+    <p:sldId id="257" r:id="rId13"/>
+    <p:sldId id="262" r:id="rId14"/>
   </p:sldIdLst>
   <p:sldSz cx="12192000" cy="6858000"/>
   <p:notesSz cx="6858000" cy="9144000"/>
@@ -128,6 +130,8 @@
         <p14:section name="Spring Ecosystem " id="{c1cee273-f1c6-4493-81ca-8946fc4e5b2f}">
           <p14:sldIdLst>
             <p14:sldId id="259"/>
+            <p14:sldId id="272"/>
+            <p14:sldId id="273"/>
           </p14:sldIdLst>
         </p14:section>
         <p14:section name="Dubbo Ecosystem" id="{d095d556-fdc1-47a7-9a5c-5d21390fad78}">
@@ -3038,7 +3042,11 @@
         <p:txBody>
           <a:bodyPr/>
           <a:p>
-            <a:endParaRPr lang="zh-CN" altLang="en-US"/>
+            <a:r>
+              <a:rPr lang="en-US" altLang="zh-CN"/>
+              <a:t>Distributed Base Tech</a:t>
+            </a:r>
+            <a:endParaRPr lang="en-US" altLang="zh-CN"/>
           </a:p>
         </p:txBody>
       </p:sp>
@@ -3056,6 +3064,165 @@
         <p:txBody>
           <a:bodyPr/>
           <a:p>
+            <a:r>
+              <a:rPr lang="zh-CN" altLang="en-US"/>
+              <a:t>全局一致性</a:t>
+            </a:r>
+            <a:r>
+              <a:rPr lang="en-US" altLang="zh-CN"/>
+              <a:t>Hash</a:t>
+            </a:r>
+            <a:endParaRPr lang="en-US" altLang="zh-CN"/>
+          </a:p>
+          <a:p>
+            <a:endParaRPr lang="en-US" altLang="zh-CN"/>
+          </a:p>
+          <a:p>
+            <a:r>
+              <a:rPr lang="zh-CN" altLang="en-US"/>
+              <a:t>全局一致性</a:t>
+            </a:r>
+            <a:r>
+              <a:rPr lang="en-US" altLang="zh-CN"/>
+              <a:t>ID</a:t>
+            </a:r>
+            <a:endParaRPr lang="en-US" altLang="zh-CN"/>
+          </a:p>
+          <a:p>
+            <a:endParaRPr lang="en-US" altLang="zh-CN"/>
+          </a:p>
+          <a:p>
+            <a:r>
+              <a:rPr lang="zh-CN" altLang="en-US"/>
+              <a:t>全局锁</a:t>
+            </a:r>
+            <a:endParaRPr lang="zh-CN" altLang="en-US"/>
+          </a:p>
+        </p:txBody>
+      </p:sp>
+    </p:spTree>
+  </p:cSld>
+  <p:clrMapOvr>
+    <a:masterClrMapping/>
+  </p:clrMapOvr>
+</p:sld>
+</file>
+
+<file path=ppt/slides/slide11.xml><?xml version="1.0" encoding="utf-8"?>
+<p:sld xmlns:a="http://schemas.openxmlformats.org/drawingml/2006/main" xmlns:r="http://schemas.openxmlformats.org/officeDocument/2006/relationships" xmlns:p="http://schemas.openxmlformats.org/presentationml/2006/main">
+  <p:cSld>
+    <p:spTree>
+      <p:nvGrpSpPr>
+        <p:cNvPr id="1" name=""/>
+        <p:cNvGrpSpPr/>
+        <p:nvPr/>
+      </p:nvGrpSpPr>
+      <p:grpSpPr/>
+      <p:sp>
+        <p:nvSpPr>
+          <p:cNvPr id="2" name="标题 1"/>
+          <p:cNvSpPr>
+            <a:spLocks noGrp="1"/>
+          </p:cNvSpPr>
+          <p:nvPr>
+            <p:ph type="title"/>
+          </p:nvPr>
+        </p:nvSpPr>
+        <p:spPr/>
+        <p:txBody>
+          <a:bodyPr/>
+          <a:p>
+            <a:r>
+              <a:rPr lang="zh-CN" altLang="en-US"/>
+              <a:t>一致性哈希算法原理及其在分布式系统中的应用</a:t>
+            </a:r>
+            <a:endParaRPr lang="zh-CN" altLang="en-US"/>
+          </a:p>
+        </p:txBody>
+      </p:sp>
+      <p:sp>
+        <p:nvSpPr>
+          <p:cNvPr id="3" name="内容占位符 2"/>
+          <p:cNvSpPr>
+            <a:spLocks noGrp="1"/>
+          </p:cNvSpPr>
+          <p:nvPr>
+            <p:ph idx="1"/>
+          </p:nvPr>
+        </p:nvSpPr>
+        <p:spPr/>
+        <p:txBody>
+          <a:bodyPr/>
+          <a:p>
+            <a:r>
+              <a:rPr lang="zh-CN" altLang="en-US"/>
+              <a:t>https://www.cnblogs.com/AndyAo/p/8228013.html</a:t>
+            </a:r>
+            <a:endParaRPr lang="zh-CN" altLang="en-US"/>
+          </a:p>
+        </p:txBody>
+      </p:sp>
+    </p:spTree>
+  </p:cSld>
+  <p:clrMapOvr>
+    <a:masterClrMapping/>
+  </p:clrMapOvr>
+</p:sld>
+</file>
+
+<file path=ppt/slides/slide12.xml><?xml version="1.0" encoding="utf-8"?>
+<p:sld xmlns:a="http://schemas.openxmlformats.org/drawingml/2006/main" xmlns:r="http://schemas.openxmlformats.org/officeDocument/2006/relationships" xmlns:p="http://schemas.openxmlformats.org/presentationml/2006/main">
+  <p:cSld>
+    <p:spTree>
+      <p:nvGrpSpPr>
+        <p:cNvPr id="1" name=""/>
+        <p:cNvGrpSpPr/>
+        <p:nvPr/>
+      </p:nvGrpSpPr>
+      <p:grpSpPr/>
+      <p:sp>
+        <p:nvSpPr>
+          <p:cNvPr id="2" name="标题 1"/>
+          <p:cNvSpPr>
+            <a:spLocks noGrp="1"/>
+          </p:cNvSpPr>
+          <p:nvPr>
+            <p:ph type="title"/>
+          </p:nvPr>
+        </p:nvSpPr>
+        <p:spPr/>
+        <p:txBody>
+          <a:bodyPr/>
+          <a:p>
+            <a:endParaRPr lang="zh-CN" altLang="en-US"/>
+          </a:p>
+        </p:txBody>
+      </p:sp>
+      <p:sp>
+        <p:nvSpPr>
+          <p:cNvPr id="3" name="内容占位符 2"/>
+          <p:cNvSpPr>
+            <a:spLocks noGrp="1"/>
+          </p:cNvSpPr>
+          <p:nvPr>
+            <p:ph idx="1"/>
+          </p:nvPr>
+        </p:nvSpPr>
+        <p:spPr/>
+        <p:txBody>
+          <a:bodyPr/>
+          <a:p>
+            <a:r>
+              <a:rPr lang="zh-CN" altLang="en-US"/>
+              <a:t>https://www.cnblogs.com/malcome/articles/5909632.html?from=timeline&amp;isappinstalled=1</a:t>
+            </a:r>
+            <a:endParaRPr lang="zh-CN" altLang="en-US"/>
+          </a:p>
+          <a:p>
+            <a:r>
+              <a:rPr lang="zh-CN" altLang="en-US"/>
+              <a:t>分布式架构演变</a:t>
+            </a:r>
             <a:endParaRPr lang="zh-CN" altLang="en-US"/>
           </a:p>
         </p:txBody>
@@ -3482,24 +3649,32 @@
           </a:p>
         </p:txBody>
       </p:sp>
-      <p:sp>
-        <p:nvSpPr>
-          <p:cNvPr id="3" name="内容占位符 2"/>
-          <p:cNvSpPr>
-            <a:spLocks noGrp="1"/>
-          </p:cNvSpPr>
+      <p:pic>
+        <p:nvPicPr>
+          <p:cNvPr id="4" name="内容占位符 3" descr="分布式系统架构"/>
+          <p:cNvPicPr>
+            <a:picLocks noChangeAspect="1"/>
+          </p:cNvPicPr>
           <p:nvPr>
             <p:ph idx="1"/>
           </p:nvPr>
-        </p:nvSpPr>
-        <p:spPr/>
-        <p:txBody>
-          <a:bodyPr/>
-          <a:p>
-            <a:endParaRPr lang="zh-CN" altLang="en-US"/>
-          </a:p>
-        </p:txBody>
-      </p:sp>
+        </p:nvPicPr>
+        <p:blipFill>
+          <a:blip r:embed="rId1"/>
+          <a:stretch>
+            <a:fillRect/>
+          </a:stretch>
+        </p:blipFill>
+        <p:spPr>
+          <a:xfrm>
+            <a:off x="1395730" y="1316355"/>
+            <a:ext cx="5308600" cy="4351655"/>
+          </a:xfrm>
+          <a:prstGeom prst="rect">
+            <a:avLst/>
+          </a:prstGeom>
+        </p:spPr>
+      </p:pic>
     </p:spTree>
   </p:cSld>
   <p:clrMapOvr>
@@ -3532,64 +3707,36 @@
         <p:txBody>
           <a:bodyPr/>
           <a:p>
-            <a:r>
-              <a:rPr lang="en-US" altLang="zh-CN"/>
-              <a:t>Distributed Base Tech</a:t>
-            </a:r>
-            <a:endParaRPr lang="en-US" altLang="zh-CN"/>
-          </a:p>
-        </p:txBody>
-      </p:sp>
-      <p:sp>
-        <p:nvSpPr>
-          <p:cNvPr id="3" name="内容占位符 2"/>
-          <p:cNvSpPr>
-            <a:spLocks noGrp="1"/>
-          </p:cNvSpPr>
+            <a:endParaRPr lang="zh-CN" altLang="en-US"/>
+          </a:p>
+        </p:txBody>
+      </p:sp>
+      <p:pic>
+        <p:nvPicPr>
+          <p:cNvPr id="6" name="内容占位符 5" descr="spring-cloud-architecture"/>
+          <p:cNvPicPr>
+            <a:picLocks noChangeAspect="1"/>
+          </p:cNvPicPr>
           <p:nvPr>
             <p:ph idx="1"/>
           </p:nvPr>
-        </p:nvSpPr>
-        <p:spPr/>
-        <p:txBody>
-          <a:bodyPr/>
-          <a:p>
-            <a:r>
-              <a:rPr lang="zh-CN" altLang="en-US"/>
-              <a:t>全局一致性</a:t>
-            </a:r>
-            <a:r>
-              <a:rPr lang="en-US" altLang="zh-CN"/>
-              <a:t>Hash</a:t>
-            </a:r>
-            <a:endParaRPr lang="en-US" altLang="zh-CN"/>
-          </a:p>
-          <a:p>
-            <a:endParaRPr lang="en-US" altLang="zh-CN"/>
-          </a:p>
-          <a:p>
-            <a:r>
-              <a:rPr lang="zh-CN" altLang="en-US"/>
-              <a:t>全局一致性</a:t>
-            </a:r>
-            <a:r>
-              <a:rPr lang="en-US" altLang="zh-CN"/>
-              <a:t>ID</a:t>
-            </a:r>
-            <a:endParaRPr lang="en-US" altLang="zh-CN"/>
-          </a:p>
-          <a:p>
-            <a:endParaRPr lang="en-US" altLang="zh-CN"/>
-          </a:p>
-          <a:p>
-            <a:r>
-              <a:rPr lang="zh-CN" altLang="en-US"/>
-              <a:t>全局锁</a:t>
-            </a:r>
-            <a:endParaRPr lang="zh-CN" altLang="en-US"/>
-          </a:p>
-        </p:txBody>
-      </p:sp>
+        </p:nvPicPr>
+        <p:blipFill>
+          <a:blip r:embed="rId1"/>
+          <a:stretch>
+            <a:fillRect/>
+          </a:stretch>
+        </p:blipFill>
+        <p:spPr>
+          <a:xfrm>
+            <a:off x="3201035" y="1825625"/>
+            <a:ext cx="5788660" cy="4351655"/>
+          </a:xfrm>
+          <a:prstGeom prst="rect">
+            <a:avLst/>
+          </a:prstGeom>
+        </p:spPr>
+      </p:pic>
     </p:spTree>
   </p:cSld>
   <p:clrMapOvr>
@@ -3622,10 +3769,6 @@
         <p:txBody>
           <a:bodyPr/>
           <a:p>
-            <a:r>
-              <a:rPr lang="zh-CN" altLang="en-US"/>
-              <a:t>一致性哈希算法原理及其在分布式系统中的应用</a:t>
-            </a:r>
             <a:endParaRPr lang="zh-CN" altLang="en-US"/>
           </a:p>
         </p:txBody>
@@ -3644,10 +3787,6 @@
         <p:txBody>
           <a:bodyPr/>
           <a:p>
-            <a:r>
-              <a:rPr lang="zh-CN" altLang="en-US"/>
-              <a:t>https://www.cnblogs.com/AndyAo/p/8228013.html</a:t>
-            </a:r>
             <a:endParaRPr lang="zh-CN" altLang="en-US"/>
           </a:p>
         </p:txBody>
